--- a/meterials/slides/ch04-one-to-one-mapping.pptx
+++ b/meterials/slides/ch04-one-to-one-mapping.pptx
@@ -299,7 +299,7 @@
           <a:p>
             <a:fld id="{8C6DAAC4-3F4D-4BC2-99C2-C888EF35166D}" type="datetimeFigureOut">
               <a:rPr lang="zh-CN" altLang="en-US" smtClean="0"/>
-              <a:t>2017/9/5</a:t>
+              <a:t>2017/9/7</a:t>
             </a:fld>
             <a:endParaRPr lang="zh-CN" altLang="en-US"/>
           </a:p>
@@ -5292,11 +5292,7 @@
             </a:r>
             <a:r>
               <a:rPr lang="zh-CN" altLang="en-US" sz="3200" smtClean="0"/>
-              <a:t>关联</a:t>
-            </a:r>
-            <a:r>
-              <a:rPr lang="zh-CN" altLang="en-US" sz="3200" smtClean="0"/>
-              <a:t>映射；</a:t>
+              <a:t>关联映射；</a:t>
             </a:r>
             <a:endParaRPr lang="en-US" altLang="zh-CN" sz="3200" dirty="0" smtClean="0"/>
           </a:p>
@@ -5608,11 +5604,7 @@
             </a:r>
             <a:r>
               <a:rPr lang="zh-CN" altLang="en-US" sz="3200" smtClean="0"/>
-              <a:t>元素</a:t>
-            </a:r>
-            <a:r>
-              <a:rPr lang="zh-CN" altLang="en-US" sz="3200" smtClean="0"/>
-              <a:t>配置。</a:t>
+              <a:t>元素配置。</a:t>
             </a:r>
             <a:endParaRPr lang="en-US" altLang="zh-CN" sz="3200" dirty="0" smtClean="0"/>
           </a:p>
@@ -5914,7 +5906,7 @@
         <p:spPr>
           <a:xfrm>
             <a:off x="624418" y="908720"/>
-            <a:ext cx="11376238" cy="3311573"/>
+            <a:ext cx="10621031" cy="3311573"/>
           </a:xfrm>
         </p:spPr>
         <p:txBody>
@@ -5983,35 +5975,43 @@
             </a:pPr>
             <a:r>
               <a:rPr lang="en-US" altLang="zh-CN" sz="3200" smtClean="0"/>
-              <a:t>contrained </a:t>
+              <a:t>constrained </a:t>
+            </a:r>
+            <a:r>
+              <a:rPr lang="zh-CN" altLang="en-US" sz="3200" smtClean="0"/>
+              <a:t>属性为 </a:t>
+            </a:r>
+            <a:r>
+              <a:rPr lang="en-US" altLang="zh-CN" sz="3200" smtClean="0"/>
+              <a:t>true</a:t>
             </a:r>
             <a:r>
               <a:rPr lang="zh-CN" altLang="en-US" sz="3200"/>
-              <a:t>属性为 </a:t>
-            </a:r>
-            <a:r>
-              <a:rPr lang="en-US" altLang="zh-CN" sz="3200"/>
-              <a:t>true</a:t>
+              <a:t>，</a:t>
+            </a:r>
+            <a:r>
+              <a:rPr lang="zh-CN" altLang="en-US" sz="3200" smtClean="0"/>
+              <a:t>表明 </a:t>
+            </a:r>
+            <a:r>
+              <a:rPr lang="en-US" altLang="zh-CN" sz="3200" smtClean="0"/>
+              <a:t>PERSON </a:t>
+            </a:r>
+            <a:r>
+              <a:rPr lang="zh-CN" altLang="en-US" sz="3200" smtClean="0"/>
+              <a:t>表 </a:t>
+            </a:r>
+            <a:r>
+              <a:rPr lang="en-US" altLang="zh-CN" sz="3200" smtClean="0"/>
+              <a:t>ID </a:t>
+            </a:r>
+            <a:r>
+              <a:rPr lang="zh-CN" altLang="en-US" sz="3200" smtClean="0"/>
+              <a:t>为</a:t>
             </a:r>
             <a:r>
               <a:rPr lang="zh-CN" altLang="en-US" sz="3200"/>
-              <a:t>，表明 </a:t>
-            </a:r>
-            <a:r>
-              <a:rPr lang="en-US" altLang="zh-CN" sz="3200"/>
-              <a:t>PERSON </a:t>
-            </a:r>
-            <a:r>
-              <a:rPr lang="zh-CN" altLang="en-US" sz="3200"/>
-              <a:t>表 </a:t>
-            </a:r>
-            <a:r>
-              <a:rPr lang="en-US" altLang="zh-CN" sz="3200"/>
-              <a:t>ID </a:t>
-            </a:r>
-            <a:r>
-              <a:rPr lang="zh-CN" altLang="en-US" sz="3200"/>
-              <a:t>为外键，参照主表（</a:t>
+              <a:t>外键，参照主表（</a:t>
             </a:r>
             <a:r>
               <a:rPr lang="en-US" altLang="zh-CN" sz="3200"/>
@@ -6739,11 +6739,7 @@
             </a:r>
             <a:r>
               <a:rPr lang="zh-CN" altLang="en-US" sz="3200" smtClean="0"/>
-              <a:t>元素</a:t>
-            </a:r>
-            <a:r>
-              <a:rPr lang="zh-CN" altLang="en-US" sz="3200" smtClean="0"/>
-              <a:t>配置。</a:t>
+              <a:t>元素配置。</a:t>
             </a:r>
             <a:endParaRPr lang="en-US" altLang="zh-CN" sz="3200" dirty="0" smtClean="0"/>
           </a:p>
@@ -6803,11 +6799,7 @@
             </a:r>
             <a:r>
               <a:rPr lang="zh-CN" altLang="en-US" sz="3200" smtClean="0"/>
-              <a:t>唯一</a:t>
-            </a:r>
-            <a:r>
-              <a:rPr lang="zh-CN" altLang="en-US" sz="3200" smtClean="0"/>
-              <a:t>约束；</a:t>
+              <a:t>唯一约束；</a:t>
             </a:r>
             <a:endParaRPr lang="en-US" altLang="zh-CN" sz="3200" dirty="0" smtClean="0"/>
           </a:p>
@@ -7169,11 +7161,7 @@
             </a:r>
             <a:r>
               <a:rPr lang="zh-CN" altLang="en-US" sz="3200" smtClean="0"/>
-              <a:t>元素</a:t>
-            </a:r>
-            <a:r>
-              <a:rPr lang="zh-CN" altLang="en-US" sz="3200" smtClean="0"/>
-              <a:t>配置。</a:t>
+              <a:t>元素配置。</a:t>
             </a:r>
             <a:endParaRPr lang="zh-CN" altLang="en-US" sz="3200" dirty="0"/>
           </a:p>
@@ -7444,11 +7432,7 @@
             </a:r>
             <a:r>
               <a:rPr lang="zh-CN" altLang="en-US" smtClean="0"/>
-              <a:t>属性上</a:t>
-            </a:r>
-            <a:r>
-              <a:rPr lang="zh-CN" altLang="en-US" smtClean="0"/>
-              <a:t>配置。</a:t>
+              <a:t>属性上配置。</a:t>
             </a:r>
             <a:endParaRPr lang="en-US" altLang="zh-CN" dirty="0" smtClean="0"/>
           </a:p>
@@ -7945,11 +7929,7 @@
             </a:r>
             <a:r>
               <a:rPr lang="zh-CN" altLang="en-US" smtClean="0"/>
-              <a:t>上</a:t>
-            </a:r>
-            <a:r>
-              <a:rPr lang="zh-CN" altLang="en-US" smtClean="0"/>
-              <a:t>配置。</a:t>
+              <a:t>上配置。</a:t>
             </a:r>
             <a:endParaRPr lang="en-US" altLang="zh-CN" dirty="0" smtClean="0"/>
           </a:p>
@@ -8045,11 +8025,7 @@
             </a:r>
             <a:r>
               <a:rPr lang="zh-CN" altLang="en-US" smtClean="0"/>
-              <a:t>上</a:t>
-            </a:r>
-            <a:r>
-              <a:rPr lang="zh-CN" altLang="en-US" smtClean="0"/>
-              <a:t>配置。</a:t>
+              <a:t>上配置。</a:t>
             </a:r>
             <a:endParaRPr lang="en-US" altLang="zh-CN" dirty="0"/>
           </a:p>
@@ -10643,11 +10619,7 @@
             </a:r>
             <a:r>
               <a:rPr lang="zh-CN" altLang="en-US" smtClean="0"/>
-              <a:t>）端</a:t>
-            </a:r>
-            <a:r>
-              <a:rPr lang="zh-CN" altLang="en-US" smtClean="0"/>
-              <a:t>配置。</a:t>
+              <a:t>）端配置。</a:t>
             </a:r>
             <a:endParaRPr lang="en-US" altLang="zh-CN" dirty="0" smtClean="0"/>
           </a:p>
@@ -12032,11 +12004,7 @@
             </a:r>
             <a:r>
               <a:rPr lang="zh-CN" altLang="en-US" sz="3200" smtClean="0"/>
-              <a:t>可</a:t>
-            </a:r>
-            <a:r>
-              <a:rPr lang="zh-CN" altLang="en-US" sz="3200" smtClean="0"/>
-              <a:t>分为：</a:t>
+              <a:t>可分为：</a:t>
             </a:r>
             <a:endParaRPr lang="en-US" altLang="zh-CN" sz="3200" smtClean="0"/>
           </a:p>
@@ -12324,7 +12292,15 @@
             </a:pPr>
             <a:r>
               <a:rPr lang="zh-CN" altLang="en-US" sz="3200"/>
-              <a:t>一个班长只在一个班中任职</a:t>
+              <a:t>一</a:t>
+            </a:r>
+            <a:r>
+              <a:rPr lang="zh-CN" altLang="en-US" sz="3200" smtClean="0"/>
+              <a:t>个正班长</a:t>
+            </a:r>
+            <a:r>
+              <a:rPr lang="zh-CN" altLang="en-US" sz="3200"/>
+              <a:t>只在一个班中任职</a:t>
             </a:r>
             <a:r>
               <a:rPr lang="zh-CN" altLang="en-US" sz="3200" smtClean="0"/>
@@ -15588,11 +15564,7 @@
           <a:p>
             <a:r>
               <a:rPr lang="zh-CN" altLang="en-US" smtClean="0"/>
-              <a:t>域</a:t>
-            </a:r>
-            <a:r>
-              <a:rPr lang="zh-CN" altLang="en-US" smtClean="0"/>
-              <a:t>模型。</a:t>
+              <a:t>域模型。</a:t>
             </a:r>
             <a:endParaRPr lang="zh-CN" altLang="en-US" dirty="0"/>
           </a:p>
